--- a/Powerpoint/06.Swarm.pptx
+++ b/Powerpoint/06.Swarm.pptx
@@ -7047,16 +7047,16 @@
       </p:par>
     </p:tnLst>
     <p:bldLst>
-      <p:bldP build="whole" bldLvl="1" animBg="1" rev="0" advAuto="0" spid="135" grpId="5"/>
-      <p:bldP build="whole" bldLvl="1" animBg="1" rev="0" advAuto="0" spid="138" grpId="8"/>
-      <p:bldP build="whole" bldLvl="1" animBg="1" rev="0" advAuto="0" spid="139" grpId="9"/>
       <p:bldP build="whole" bldLvl="1" animBg="1" rev="0" advAuto="0" spid="142" grpId="10"/>
-      <p:bldP build="whole" bldLvl="1" animBg="1" rev="0" advAuto="0" spid="134" grpId="4"/>
-      <p:bldP build="whole" bldLvl="1" animBg="1" rev="0" advAuto="0" spid="136" grpId="6"/>
+      <p:bldP build="whole" bldLvl="1" animBg="1" rev="0" advAuto="0" spid="131" grpId="1"/>
       <p:bldP build="whole" bldLvl="1" animBg="1" rev="0" advAuto="0" spid="137" grpId="7"/>
       <p:bldP build="whole" bldLvl="1" animBg="1" rev="0" advAuto="0" spid="133" grpId="3"/>
       <p:bldP build="whole" bldLvl="1" animBg="1" rev="0" advAuto="0" spid="132" grpId="2"/>
-      <p:bldP build="whole" bldLvl="1" animBg="1" rev="0" advAuto="0" spid="131" grpId="1"/>
+      <p:bldP build="whole" bldLvl="1" animBg="1" rev="0" advAuto="0" spid="134" grpId="4"/>
+      <p:bldP build="whole" bldLvl="1" animBg="1" rev="0" advAuto="0" spid="135" grpId="5"/>
+      <p:bldP build="whole" bldLvl="1" animBg="1" rev="0" advAuto="0" spid="139" grpId="9"/>
+      <p:bldP build="whole" bldLvl="1" animBg="1" rev="0" advAuto="0" spid="136" grpId="6"/>
+      <p:bldP build="whole" bldLvl="1" animBg="1" rev="0" advAuto="0" spid="138" grpId="8"/>
     </p:bldLst>
   </p:timing>
 </p:sld>
@@ -9432,28 +9432,28 @@
       </p:par>
     </p:tnLst>
     <p:bldLst>
+      <p:bldP build="whole" bldLvl="1" animBg="1" rev="0" advAuto="0" spid="172" grpId="5"/>
+      <p:bldP build="whole" bldLvl="1" animBg="1" rev="0" advAuto="0" spid="165" grpId="11"/>
+      <p:bldP build="whole" bldLvl="1" animBg="1" rev="0" advAuto="0" spid="168" grpId="9"/>
+      <p:bldP build="whole" bldLvl="1" animBg="1" rev="0" advAuto="0" spid="171" grpId="3"/>
+      <p:bldP build="whole" bldLvl="1" animBg="1" rev="0" advAuto="0" spid="161" grpId="20"/>
+      <p:bldP build="whole" bldLvl="1" animBg="1" rev="0" advAuto="0" spid="163" grpId="21"/>
+      <p:bldP build="whole" bldLvl="1" animBg="1" rev="0" advAuto="0" spid="150" grpId="6"/>
       <p:bldP build="whole" bldLvl="1" animBg="1" rev="0" advAuto="0" spid="149" grpId="4"/>
-      <p:bldP build="whole" bldLvl="1" animBg="1" rev="0" advAuto="0" spid="170" grpId="2"/>
-      <p:bldP build="whole" bldLvl="1" animBg="1" rev="0" advAuto="0" spid="165" grpId="11"/>
-      <p:bldP build="whole" bldLvl="1" animBg="1" rev="0" advAuto="0" spid="155" grpId="10"/>
+      <p:bldP build="whole" bldLvl="1" animBg="1" rev="0" advAuto="0" spid="167" grpId="13"/>
+      <p:bldP build="whole" bldLvl="1" animBg="1" rev="0" advAuto="0" spid="162" grpId="22"/>
       <p:bldP build="whole" bldLvl="1" animBg="1" rev="0" advAuto="0" spid="147" grpId="8"/>
+      <p:bldP build="whole" bldLvl="1" animBg="1" rev="0" advAuto="0" spid="148" grpId="1"/>
+      <p:bldP build="whole" bldLvl="1" animBg="1" rev="0" advAuto="0" spid="157" grpId="15"/>
+      <p:bldP build="whole" bldLvl="1" animBg="1" rev="0" advAuto="0" spid="159" grpId="18"/>
       <p:bldP build="whole" bldLvl="1" animBg="1" rev="0" advAuto="0" spid="164" grpId="19"/>
-      <p:bldP build="whole" bldLvl="1" animBg="1" rev="0" advAuto="0" spid="158" grpId="16"/>
-      <p:bldP build="whole" bldLvl="1" animBg="1" rev="0" advAuto="0" spid="168" grpId="9"/>
-      <p:bldP build="whole" bldLvl="1" animBg="1" rev="0" advAuto="0" spid="172" grpId="5"/>
+      <p:bldP build="whole" bldLvl="1" animBg="1" rev="0" advAuto="0" spid="156" grpId="14"/>
       <p:bldP build="whole" bldLvl="1" animBg="1" rev="0" advAuto="0" spid="173" grpId="7"/>
       <p:bldP build="whole" bldLvl="1" animBg="1" rev="0" advAuto="0" spid="166" grpId="12"/>
-      <p:bldP build="whole" bldLvl="1" animBg="1" rev="0" advAuto="0" spid="163" grpId="21"/>
-      <p:bldP build="whole" bldLvl="1" animBg="1" rev="0" advAuto="0" spid="159" grpId="18"/>
-      <p:bldP build="whole" bldLvl="1" animBg="1" rev="0" advAuto="0" spid="162" grpId="22"/>
-      <p:bldP build="whole" bldLvl="1" animBg="1" rev="0" advAuto="0" spid="157" grpId="15"/>
-      <p:bldP build="whole" bldLvl="1" animBg="1" rev="0" advAuto="0" spid="171" grpId="3"/>
       <p:bldP build="whole" bldLvl="1" animBg="1" rev="0" advAuto="0" spid="160" grpId="17"/>
-      <p:bldP build="whole" bldLvl="1" animBg="1" rev="0" advAuto="0" spid="156" grpId="14"/>
-      <p:bldP build="whole" bldLvl="1" animBg="1" rev="0" advAuto="0" spid="150" grpId="6"/>
-      <p:bldP build="whole" bldLvl="1" animBg="1" rev="0" advAuto="0" spid="148" grpId="1"/>
-      <p:bldP build="whole" bldLvl="1" animBg="1" rev="0" advAuto="0" spid="167" grpId="13"/>
-      <p:bldP build="whole" bldLvl="1" animBg="1" rev="0" advAuto="0" spid="161" grpId="20"/>
+      <p:bldP build="whole" bldLvl="1" animBg="1" rev="0" advAuto="0" spid="158" grpId="16"/>
+      <p:bldP build="whole" bldLvl="1" animBg="1" rev="0" advAuto="0" spid="155" grpId="10"/>
+      <p:bldP build="whole" bldLvl="1" animBg="1" rev="0" advAuto="0" spid="170" grpId="2"/>
     </p:bldLst>
   </p:timing>
 </p:sld>
